--- a/csnc.pptx
+++ b/csnc.pptx
@@ -3336,7 +3336,7 @@
         <p:spPr>
           <a:xfrm>
             <a:off x="1387011" y="986319"/>
-            <a:ext cx="3164441" cy="1643865"/>
+            <a:ext cx="3667874" cy="1633591"/>
           </a:xfrm>
           <a:prstGeom prst="rect">
             <a:avLst/>

--- a/csnc.pptx
+++ b/csnc.pptx
@@ -104,6 +104,11 @@
       </a:defRPr>
     </a:lvl9pPr>
   </p:defaultTextStyle>
+  <p:extLst>
+    <p:ext uri="{EFAFB233-063F-42B5-8137-9DF3F51BA10A}">
+      <p15:sldGuideLst xmlns:p15="http://schemas.microsoft.com/office/powerpoint/2012/main"/>
+    </p:ext>
+  </p:extLst>
 </p:presentation>
 </file>
 
@@ -254,7 +259,7 @@
           <a:p>
             <a:fld id="{4D72D512-BE45-534A-90D0-FFF6C6110A02}" type="datetimeFigureOut">
               <a:rPr lang="en-US" smtClean="0"/>
-              <a:t>8/1/19</a:t>
+              <a:t>8/7/19</a:t>
             </a:fld>
             <a:endParaRPr lang="en-US"/>
           </a:p>
@@ -452,7 +457,7 @@
           <a:p>
             <a:fld id="{4D72D512-BE45-534A-90D0-FFF6C6110A02}" type="datetimeFigureOut">
               <a:rPr lang="en-US" smtClean="0"/>
-              <a:t>8/1/19</a:t>
+              <a:t>8/7/19</a:t>
             </a:fld>
             <a:endParaRPr lang="en-US"/>
           </a:p>
@@ -660,7 +665,7 @@
           <a:p>
             <a:fld id="{4D72D512-BE45-534A-90D0-FFF6C6110A02}" type="datetimeFigureOut">
               <a:rPr lang="en-US" smtClean="0"/>
-              <a:t>8/1/19</a:t>
+              <a:t>8/7/19</a:t>
             </a:fld>
             <a:endParaRPr lang="en-US"/>
           </a:p>
@@ -858,7 +863,7 @@
           <a:p>
             <a:fld id="{4D72D512-BE45-534A-90D0-FFF6C6110A02}" type="datetimeFigureOut">
               <a:rPr lang="en-US" smtClean="0"/>
-              <a:t>8/1/19</a:t>
+              <a:t>8/7/19</a:t>
             </a:fld>
             <a:endParaRPr lang="en-US"/>
           </a:p>
@@ -1133,7 +1138,7 @@
           <a:p>
             <a:fld id="{4D72D512-BE45-534A-90D0-FFF6C6110A02}" type="datetimeFigureOut">
               <a:rPr lang="en-US" smtClean="0"/>
-              <a:t>8/1/19</a:t>
+              <a:t>8/7/19</a:t>
             </a:fld>
             <a:endParaRPr lang="en-US"/>
           </a:p>
@@ -1398,7 +1403,7 @@
           <a:p>
             <a:fld id="{4D72D512-BE45-534A-90D0-FFF6C6110A02}" type="datetimeFigureOut">
               <a:rPr lang="en-US" smtClean="0"/>
-              <a:t>8/1/19</a:t>
+              <a:t>8/7/19</a:t>
             </a:fld>
             <a:endParaRPr lang="en-US"/>
           </a:p>
@@ -1810,7 +1815,7 @@
           <a:p>
             <a:fld id="{4D72D512-BE45-534A-90D0-FFF6C6110A02}" type="datetimeFigureOut">
               <a:rPr lang="en-US" smtClean="0"/>
-              <a:t>8/1/19</a:t>
+              <a:t>8/7/19</a:t>
             </a:fld>
             <a:endParaRPr lang="en-US"/>
           </a:p>
@@ -1951,7 +1956,7 @@
           <a:p>
             <a:fld id="{4D72D512-BE45-534A-90D0-FFF6C6110A02}" type="datetimeFigureOut">
               <a:rPr lang="en-US" smtClean="0"/>
-              <a:t>8/1/19</a:t>
+              <a:t>8/7/19</a:t>
             </a:fld>
             <a:endParaRPr lang="en-US"/>
           </a:p>
@@ -2064,7 +2069,7 @@
           <a:p>
             <a:fld id="{4D72D512-BE45-534A-90D0-FFF6C6110A02}" type="datetimeFigureOut">
               <a:rPr lang="en-US" smtClean="0"/>
-              <a:t>8/1/19</a:t>
+              <a:t>8/7/19</a:t>
             </a:fld>
             <a:endParaRPr lang="en-US"/>
           </a:p>
@@ -2375,7 +2380,7 @@
           <a:p>
             <a:fld id="{4D72D512-BE45-534A-90D0-FFF6C6110A02}" type="datetimeFigureOut">
               <a:rPr lang="en-US" smtClean="0"/>
-              <a:t>8/1/19</a:t>
+              <a:t>8/7/19</a:t>
             </a:fld>
             <a:endParaRPr lang="en-US"/>
           </a:p>
@@ -2663,7 +2668,7 @@
           <a:p>
             <a:fld id="{4D72D512-BE45-534A-90D0-FFF6C6110A02}" type="datetimeFigureOut">
               <a:rPr lang="en-US" smtClean="0"/>
-              <a:t>8/1/19</a:t>
+              <a:t>8/7/19</a:t>
             </a:fld>
             <a:endParaRPr lang="en-US"/>
           </a:p>
@@ -2904,7 +2909,7 @@
           <a:p>
             <a:fld id="{4D72D512-BE45-534A-90D0-FFF6C6110A02}" type="datetimeFigureOut">
               <a:rPr lang="en-US" smtClean="0"/>
-              <a:t>8/1/19</a:t>
+              <a:t>8/7/19</a:t>
             </a:fld>
             <a:endParaRPr lang="en-US"/>
           </a:p>
@@ -3540,6 +3545,236 @@
           </a:p>
         </p:txBody>
       </p:sp>
+      <p:sp>
+        <p:nvSpPr>
+          <p:cNvPr id="7" name="Rectangle 6">
+            <a:extLst>
+              <a:ext uri="{FF2B5EF4-FFF2-40B4-BE49-F238E27FC236}">
+                <a16:creationId xmlns:a16="http://schemas.microsoft.com/office/drawing/2014/main" id="{2BDAFC68-114D-C545-975F-BAEB240EEE55}"/>
+              </a:ext>
+            </a:extLst>
+          </p:cNvPr>
+          <p:cNvSpPr/>
+          <p:nvPr/>
+        </p:nvSpPr>
+        <p:spPr>
+          <a:xfrm>
+            <a:off x="1387011" y="3257176"/>
+            <a:ext cx="3667874" cy="1633591"/>
+          </a:xfrm>
+          <a:prstGeom prst="rect">
+            <a:avLst/>
+          </a:prstGeom>
+        </p:spPr>
+        <p:style>
+          <a:lnRef idx="1">
+            <a:schemeClr val="accent1"/>
+          </a:lnRef>
+          <a:fillRef idx="3">
+            <a:schemeClr val="accent1"/>
+          </a:fillRef>
+          <a:effectRef idx="2">
+            <a:schemeClr val="accent1"/>
+          </a:effectRef>
+          <a:fontRef idx="minor">
+            <a:schemeClr val="lt1"/>
+          </a:fontRef>
+        </p:style>
+        <p:txBody>
+          <a:bodyPr rot="0" spcFirstLastPara="0" vertOverflow="overflow" horzOverflow="overflow" vert="horz" wrap="square" lIns="91440" tIns="45720" rIns="91440" bIns="45720" numCol="1" spcCol="0" rtlCol="0" fromWordArt="0" anchor="ctr" anchorCtr="0" forceAA="0" compatLnSpc="1">
+            <a:prstTxWarp prst="textNoShape">
+              <a:avLst/>
+            </a:prstTxWarp>
+            <a:noAutofit/>
+          </a:bodyPr>
+          <a:lstStyle/>
+          <a:p>
+            <a:pPr algn="ctr"/>
+            <a:endParaRPr lang="en-US" b="1" dirty="0">
+              <a:ln w="22225">
+                <a:solidFill>
+                  <a:schemeClr val="accent2"/>
+                </a:solidFill>
+                <a:prstDash val="solid"/>
+              </a:ln>
+              <a:solidFill>
+                <a:schemeClr val="accent2">
+                  <a:lumMod val="40000"/>
+                  <a:lumOff val="60000"/>
+                </a:schemeClr>
+              </a:solidFill>
+            </a:endParaRPr>
+          </a:p>
+        </p:txBody>
+      </p:sp>
+      <p:sp>
+        <p:nvSpPr>
+          <p:cNvPr id="8" name="TextBox 7">
+            <a:extLst>
+              <a:ext uri="{FF2B5EF4-FFF2-40B4-BE49-F238E27FC236}">
+                <a16:creationId xmlns:a16="http://schemas.microsoft.com/office/drawing/2014/main" id="{C59A63F6-236D-D549-B758-8AB6EE5F04DF}"/>
+              </a:ext>
+            </a:extLst>
+          </p:cNvPr>
+          <p:cNvSpPr txBox="1"/>
+          <p:nvPr/>
+        </p:nvSpPr>
+        <p:spPr>
+          <a:xfrm>
+            <a:off x="1387011" y="3257176"/>
+            <a:ext cx="1322798" cy="400110"/>
+          </a:xfrm>
+          <a:prstGeom prst="rect">
+            <a:avLst/>
+          </a:prstGeom>
+          <a:noFill/>
+        </p:spPr>
+        <p:txBody>
+          <a:bodyPr wrap="none" rtlCol="0">
+            <a:spAutoFit/>
+          </a:bodyPr>
+          <a:lstStyle/>
+          <a:p>
+            <a:r>
+              <a:rPr lang="en-US" sz="2000" b="1" spc="50" dirty="0">
+                <a:ln w="0"/>
+                <a:solidFill>
+                  <a:schemeClr val="bg2"/>
+                </a:solidFill>
+                <a:effectLst>
+                  <a:innerShdw blurRad="63500" dist="50800" dir="13500000">
+                    <a:srgbClr val="000000">
+                      <a:alpha val="50000"/>
+                    </a:srgbClr>
+                  </a:innerShdw>
+                </a:effectLst>
+              </a:rPr>
+              <a:t>C# </a:t>
+            </a:r>
+            <a:r>
+              <a:rPr lang="en-US" sz="2000" b="1" spc="50" dirty="0" err="1">
+                <a:ln w="0"/>
+                <a:solidFill>
+                  <a:schemeClr val="bg2"/>
+                </a:solidFill>
+                <a:effectLst>
+                  <a:innerShdw blurRad="63500" dist="50800" dir="13500000">
+                    <a:srgbClr val="000000">
+                      <a:alpha val="50000"/>
+                    </a:srgbClr>
+                  </a:innerShdw>
+                </a:effectLst>
+              </a:rPr>
+              <a:t>Cơ</a:t>
+            </a:r>
+            <a:r>
+              <a:rPr lang="en-US" sz="2000" b="1" spc="50" dirty="0">
+                <a:ln w="0"/>
+                <a:solidFill>
+                  <a:schemeClr val="bg2"/>
+                </a:solidFill>
+                <a:effectLst>
+                  <a:innerShdw blurRad="63500" dist="50800" dir="13500000">
+                    <a:srgbClr val="000000">
+                      <a:alpha val="50000"/>
+                    </a:srgbClr>
+                  </a:innerShdw>
+                </a:effectLst>
+              </a:rPr>
+              <a:t> </a:t>
+            </a:r>
+            <a:r>
+              <a:rPr lang="en-US" sz="2000" b="1" spc="50" dirty="0" err="1">
+                <a:ln w="0"/>
+                <a:solidFill>
+                  <a:schemeClr val="bg2"/>
+                </a:solidFill>
+                <a:effectLst>
+                  <a:innerShdw blurRad="63500" dist="50800" dir="13500000">
+                    <a:srgbClr val="000000">
+                      <a:alpha val="50000"/>
+                    </a:srgbClr>
+                  </a:innerShdw>
+                </a:effectLst>
+              </a:rPr>
+              <a:t>bản</a:t>
+            </a:r>
+            <a:endParaRPr lang="en-US" sz="2000" b="1" spc="50" dirty="0">
+              <a:ln w="0"/>
+              <a:solidFill>
+                <a:schemeClr val="bg2"/>
+              </a:solidFill>
+              <a:effectLst>
+                <a:innerShdw blurRad="63500" dist="50800" dir="13500000">
+                  <a:srgbClr val="000000">
+                    <a:alpha val="50000"/>
+                  </a:srgbClr>
+                </a:innerShdw>
+              </a:effectLst>
+            </a:endParaRPr>
+          </a:p>
+        </p:txBody>
+      </p:sp>
+      <p:sp>
+        <p:nvSpPr>
+          <p:cNvPr id="9" name="TextBox 8">
+            <a:extLst>
+              <a:ext uri="{FF2B5EF4-FFF2-40B4-BE49-F238E27FC236}">
+                <a16:creationId xmlns:a16="http://schemas.microsoft.com/office/drawing/2014/main" id="{B638FEF1-6ADD-5D47-8E6F-CEF3E482AD6F}"/>
+              </a:ext>
+            </a:extLst>
+          </p:cNvPr>
+          <p:cNvSpPr txBox="1"/>
+          <p:nvPr/>
+        </p:nvSpPr>
+        <p:spPr>
+          <a:xfrm>
+            <a:off x="1571946" y="3657286"/>
+            <a:ext cx="2520242" cy="1077218"/>
+          </a:xfrm>
+          <a:prstGeom prst="rect">
+            <a:avLst/>
+          </a:prstGeom>
+          <a:noFill/>
+        </p:spPr>
+        <p:txBody>
+          <a:bodyPr wrap="none" rtlCol="0">
+            <a:spAutoFit/>
+            <a:scene3d>
+              <a:camera prst="orthographicFront"/>
+              <a:lightRig rig="soft" dir="t">
+                <a:rot lat="0" lon="0" rev="15600000"/>
+              </a:lightRig>
+            </a:scene3d>
+            <a:sp3d extrusionH="57150" prstMaterial="softEdge">
+              <a:bevelT w="25400" h="38100"/>
+            </a:sp3d>
+          </a:bodyPr>
+          <a:lstStyle/>
+          <a:p>
+            <a:r>
+              <a:rPr lang="en-US" sz="3200" b="1" dirty="0">
+                <a:ln/>
+                <a:solidFill>
+                  <a:schemeClr val="accent4"/>
+                </a:solidFill>
+              </a:rPr>
+              <a:t>BIẾN – HẰNG </a:t>
+            </a:r>
+          </a:p>
+          <a:p>
+            <a:r>
+              <a:rPr lang="en-US" sz="3200" b="1" dirty="0">
+                <a:ln/>
+                <a:solidFill>
+                  <a:schemeClr val="accent4"/>
+                </a:solidFill>
+              </a:rPr>
+              <a:t>KIỂU DỮ LIỆU</a:t>
+            </a:r>
+          </a:p>
+        </p:txBody>
+      </p:sp>
     </p:spTree>
     <p:extLst>
       <p:ext uri="{BB962C8B-B14F-4D97-AF65-F5344CB8AC3E}">

--- a/csnc.pptx
+++ b/csnc.pptx
@@ -259,7 +259,7 @@
           <a:p>
             <a:fld id="{4D72D512-BE45-534A-90D0-FFF6C6110A02}" type="datetimeFigureOut">
               <a:rPr lang="en-US" smtClean="0"/>
-              <a:t>8/7/19</a:t>
+              <a:t>8/13/19</a:t>
             </a:fld>
             <a:endParaRPr lang="en-US"/>
           </a:p>
@@ -457,7 +457,7 @@
           <a:p>
             <a:fld id="{4D72D512-BE45-534A-90D0-FFF6C6110A02}" type="datetimeFigureOut">
               <a:rPr lang="en-US" smtClean="0"/>
-              <a:t>8/7/19</a:t>
+              <a:t>8/13/19</a:t>
             </a:fld>
             <a:endParaRPr lang="en-US"/>
           </a:p>
@@ -665,7 +665,7 @@
           <a:p>
             <a:fld id="{4D72D512-BE45-534A-90D0-FFF6C6110A02}" type="datetimeFigureOut">
               <a:rPr lang="en-US" smtClean="0"/>
-              <a:t>8/7/19</a:t>
+              <a:t>8/13/19</a:t>
             </a:fld>
             <a:endParaRPr lang="en-US"/>
           </a:p>
@@ -863,7 +863,7 @@
           <a:p>
             <a:fld id="{4D72D512-BE45-534A-90D0-FFF6C6110A02}" type="datetimeFigureOut">
               <a:rPr lang="en-US" smtClean="0"/>
-              <a:t>8/7/19</a:t>
+              <a:t>8/13/19</a:t>
             </a:fld>
             <a:endParaRPr lang="en-US"/>
           </a:p>
@@ -1138,7 +1138,7 @@
           <a:p>
             <a:fld id="{4D72D512-BE45-534A-90D0-FFF6C6110A02}" type="datetimeFigureOut">
               <a:rPr lang="en-US" smtClean="0"/>
-              <a:t>8/7/19</a:t>
+              <a:t>8/13/19</a:t>
             </a:fld>
             <a:endParaRPr lang="en-US"/>
           </a:p>
@@ -1403,7 +1403,7 @@
           <a:p>
             <a:fld id="{4D72D512-BE45-534A-90D0-FFF6C6110A02}" type="datetimeFigureOut">
               <a:rPr lang="en-US" smtClean="0"/>
-              <a:t>8/7/19</a:t>
+              <a:t>8/13/19</a:t>
             </a:fld>
             <a:endParaRPr lang="en-US"/>
           </a:p>
@@ -1815,7 +1815,7 @@
           <a:p>
             <a:fld id="{4D72D512-BE45-534A-90D0-FFF6C6110A02}" type="datetimeFigureOut">
               <a:rPr lang="en-US" smtClean="0"/>
-              <a:t>8/7/19</a:t>
+              <a:t>8/13/19</a:t>
             </a:fld>
             <a:endParaRPr lang="en-US"/>
           </a:p>
@@ -1956,7 +1956,7 @@
           <a:p>
             <a:fld id="{4D72D512-BE45-534A-90D0-FFF6C6110A02}" type="datetimeFigureOut">
               <a:rPr lang="en-US" smtClean="0"/>
-              <a:t>8/7/19</a:t>
+              <a:t>8/13/19</a:t>
             </a:fld>
             <a:endParaRPr lang="en-US"/>
           </a:p>
@@ -2069,7 +2069,7 @@
           <a:p>
             <a:fld id="{4D72D512-BE45-534A-90D0-FFF6C6110A02}" type="datetimeFigureOut">
               <a:rPr lang="en-US" smtClean="0"/>
-              <a:t>8/7/19</a:t>
+              <a:t>8/13/19</a:t>
             </a:fld>
             <a:endParaRPr lang="en-US"/>
           </a:p>
@@ -2380,7 +2380,7 @@
           <a:p>
             <a:fld id="{4D72D512-BE45-534A-90D0-FFF6C6110A02}" type="datetimeFigureOut">
               <a:rPr lang="en-US" smtClean="0"/>
-              <a:t>8/7/19</a:t>
+              <a:t>8/13/19</a:t>
             </a:fld>
             <a:endParaRPr lang="en-US"/>
           </a:p>
@@ -2668,7 +2668,7 @@
           <a:p>
             <a:fld id="{4D72D512-BE45-534A-90D0-FFF6C6110A02}" type="datetimeFigureOut">
               <a:rPr lang="en-US" smtClean="0"/>
-              <a:t>8/7/19</a:t>
+              <a:t>8/13/19</a:t>
             </a:fld>
             <a:endParaRPr lang="en-US"/>
           </a:p>
@@ -2909,7 +2909,7 @@
           <a:p>
             <a:fld id="{4D72D512-BE45-534A-90D0-FFF6C6110A02}" type="datetimeFigureOut">
               <a:rPr lang="en-US" smtClean="0"/>
-              <a:t>8/7/19</a:t>
+              <a:t>8/13/19</a:t>
             </a:fld>
             <a:endParaRPr lang="en-US"/>
           </a:p>
@@ -3775,6 +3775,225 @@
           </a:p>
         </p:txBody>
       </p:sp>
+      <p:sp>
+        <p:nvSpPr>
+          <p:cNvPr id="10" name="Rectangle 9">
+            <a:extLst>
+              <a:ext uri="{FF2B5EF4-FFF2-40B4-BE49-F238E27FC236}">
+                <a16:creationId xmlns:a16="http://schemas.microsoft.com/office/drawing/2014/main" id="{FC7C9EBD-A363-D744-A2B7-88238EC349CC}"/>
+              </a:ext>
+            </a:extLst>
+          </p:cNvPr>
+          <p:cNvSpPr/>
+          <p:nvPr/>
+        </p:nvSpPr>
+        <p:spPr>
+          <a:xfrm>
+            <a:off x="5844283" y="986319"/>
+            <a:ext cx="3667874" cy="1633591"/>
+          </a:xfrm>
+          <a:prstGeom prst="rect">
+            <a:avLst/>
+          </a:prstGeom>
+        </p:spPr>
+        <p:style>
+          <a:lnRef idx="1">
+            <a:schemeClr val="accent1"/>
+          </a:lnRef>
+          <a:fillRef idx="3">
+            <a:schemeClr val="accent1"/>
+          </a:fillRef>
+          <a:effectRef idx="2">
+            <a:schemeClr val="accent1"/>
+          </a:effectRef>
+          <a:fontRef idx="minor">
+            <a:schemeClr val="lt1"/>
+          </a:fontRef>
+        </p:style>
+        <p:txBody>
+          <a:bodyPr rot="0" spcFirstLastPara="0" vertOverflow="overflow" horzOverflow="overflow" vert="horz" wrap="square" lIns="91440" tIns="45720" rIns="91440" bIns="45720" numCol="1" spcCol="0" rtlCol="0" fromWordArt="0" anchor="ctr" anchorCtr="0" forceAA="0" compatLnSpc="1">
+            <a:prstTxWarp prst="textNoShape">
+              <a:avLst/>
+            </a:prstTxWarp>
+            <a:noAutofit/>
+          </a:bodyPr>
+          <a:lstStyle/>
+          <a:p>
+            <a:pPr algn="ctr"/>
+            <a:endParaRPr lang="en-US" b="1" dirty="0">
+              <a:ln w="22225">
+                <a:solidFill>
+                  <a:schemeClr val="accent2"/>
+                </a:solidFill>
+                <a:prstDash val="solid"/>
+              </a:ln>
+              <a:solidFill>
+                <a:schemeClr val="accent2">
+                  <a:lumMod val="40000"/>
+                  <a:lumOff val="60000"/>
+                </a:schemeClr>
+              </a:solidFill>
+            </a:endParaRPr>
+          </a:p>
+        </p:txBody>
+      </p:sp>
+      <p:sp>
+        <p:nvSpPr>
+          <p:cNvPr id="11" name="TextBox 10">
+            <a:extLst>
+              <a:ext uri="{FF2B5EF4-FFF2-40B4-BE49-F238E27FC236}">
+                <a16:creationId xmlns:a16="http://schemas.microsoft.com/office/drawing/2014/main" id="{12118E8F-1BEE-7F4D-9F1A-F64762123B1F}"/>
+              </a:ext>
+            </a:extLst>
+          </p:cNvPr>
+          <p:cNvSpPr txBox="1"/>
+          <p:nvPr/>
+        </p:nvSpPr>
+        <p:spPr>
+          <a:xfrm>
+            <a:off x="5844283" y="986319"/>
+            <a:ext cx="1322798" cy="400110"/>
+          </a:xfrm>
+          <a:prstGeom prst="rect">
+            <a:avLst/>
+          </a:prstGeom>
+          <a:noFill/>
+        </p:spPr>
+        <p:txBody>
+          <a:bodyPr wrap="none" rtlCol="0">
+            <a:spAutoFit/>
+          </a:bodyPr>
+          <a:lstStyle/>
+          <a:p>
+            <a:r>
+              <a:rPr lang="en-US" sz="2000" b="1" spc="50" dirty="0">
+                <a:ln w="0"/>
+                <a:solidFill>
+                  <a:schemeClr val="bg2"/>
+                </a:solidFill>
+                <a:effectLst>
+                  <a:innerShdw blurRad="63500" dist="50800" dir="13500000">
+                    <a:srgbClr val="000000">
+                      <a:alpha val="50000"/>
+                    </a:srgbClr>
+                  </a:innerShdw>
+                </a:effectLst>
+              </a:rPr>
+              <a:t>C# </a:t>
+            </a:r>
+            <a:r>
+              <a:rPr lang="en-US" sz="2000" b="1" spc="50" dirty="0" err="1">
+                <a:ln w="0"/>
+                <a:solidFill>
+                  <a:schemeClr val="bg2"/>
+                </a:solidFill>
+                <a:effectLst>
+                  <a:innerShdw blurRad="63500" dist="50800" dir="13500000">
+                    <a:srgbClr val="000000">
+                      <a:alpha val="50000"/>
+                    </a:srgbClr>
+                  </a:innerShdw>
+                </a:effectLst>
+              </a:rPr>
+              <a:t>Cơ</a:t>
+            </a:r>
+            <a:r>
+              <a:rPr lang="en-US" sz="2000" b="1" spc="50" dirty="0">
+                <a:ln w="0"/>
+                <a:solidFill>
+                  <a:schemeClr val="bg2"/>
+                </a:solidFill>
+                <a:effectLst>
+                  <a:innerShdw blurRad="63500" dist="50800" dir="13500000">
+                    <a:srgbClr val="000000">
+                      <a:alpha val="50000"/>
+                    </a:srgbClr>
+                  </a:innerShdw>
+                </a:effectLst>
+              </a:rPr>
+              <a:t> </a:t>
+            </a:r>
+            <a:r>
+              <a:rPr lang="en-US" sz="2000" b="1" spc="50" dirty="0" err="1">
+                <a:ln w="0"/>
+                <a:solidFill>
+                  <a:schemeClr val="bg2"/>
+                </a:solidFill>
+                <a:effectLst>
+                  <a:innerShdw blurRad="63500" dist="50800" dir="13500000">
+                    <a:srgbClr val="000000">
+                      <a:alpha val="50000"/>
+                    </a:srgbClr>
+                  </a:innerShdw>
+                </a:effectLst>
+              </a:rPr>
+              <a:t>bản</a:t>
+            </a:r>
+            <a:endParaRPr lang="en-US" sz="2000" b="1" spc="50" dirty="0">
+              <a:ln w="0"/>
+              <a:solidFill>
+                <a:schemeClr val="bg2"/>
+              </a:solidFill>
+              <a:effectLst>
+                <a:innerShdw blurRad="63500" dist="50800" dir="13500000">
+                  <a:srgbClr val="000000">
+                    <a:alpha val="50000"/>
+                  </a:srgbClr>
+                </a:innerShdw>
+              </a:effectLst>
+            </a:endParaRPr>
+          </a:p>
+        </p:txBody>
+      </p:sp>
+      <p:sp>
+        <p:nvSpPr>
+          <p:cNvPr id="12" name="TextBox 11">
+            <a:extLst>
+              <a:ext uri="{FF2B5EF4-FFF2-40B4-BE49-F238E27FC236}">
+                <a16:creationId xmlns:a16="http://schemas.microsoft.com/office/drawing/2014/main" id="{D0A8BF8A-615C-3144-AC3C-AD38CE6A7345}"/>
+              </a:ext>
+            </a:extLst>
+          </p:cNvPr>
+          <p:cNvSpPr txBox="1"/>
+          <p:nvPr/>
+        </p:nvSpPr>
+        <p:spPr>
+          <a:xfrm>
+            <a:off x="6321182" y="1510166"/>
+            <a:ext cx="2714076" cy="707886"/>
+          </a:xfrm>
+          <a:prstGeom prst="rect">
+            <a:avLst/>
+          </a:prstGeom>
+          <a:noFill/>
+        </p:spPr>
+        <p:txBody>
+          <a:bodyPr wrap="none" rtlCol="0">
+            <a:spAutoFit/>
+            <a:scene3d>
+              <a:camera prst="orthographicFront"/>
+              <a:lightRig rig="soft" dir="t">
+                <a:rot lat="0" lon="0" rev="15600000"/>
+              </a:lightRig>
+            </a:scene3d>
+            <a:sp3d extrusionH="57150" prstMaterial="softEdge">
+              <a:bevelT w="25400" h="38100"/>
+            </a:sp3d>
+          </a:bodyPr>
+          <a:lstStyle/>
+          <a:p>
+            <a:r>
+              <a:rPr lang="en-US" sz="4000" b="1" dirty="0">
+                <a:ln/>
+                <a:solidFill>
+                  <a:schemeClr val="accent4"/>
+                </a:solidFill>
+              </a:rPr>
+              <a:t>+ - / % ++ -- </a:t>
+            </a:r>
+          </a:p>
+        </p:txBody>
+      </p:sp>
     </p:spTree>
     <p:extLst>
       <p:ext uri="{BB962C8B-B14F-4D97-AF65-F5344CB8AC3E}">

--- a/csnc.pptx
+++ b/csnc.pptx
@@ -259,7 +259,7 @@
           <a:p>
             <a:fld id="{4D72D512-BE45-534A-90D0-FFF6C6110A02}" type="datetimeFigureOut">
               <a:rPr lang="en-US" smtClean="0"/>
-              <a:t>8/13/19</a:t>
+              <a:t>8/14/19</a:t>
             </a:fld>
             <a:endParaRPr lang="en-US"/>
           </a:p>
@@ -457,7 +457,7 @@
           <a:p>
             <a:fld id="{4D72D512-BE45-534A-90D0-FFF6C6110A02}" type="datetimeFigureOut">
               <a:rPr lang="en-US" smtClean="0"/>
-              <a:t>8/13/19</a:t>
+              <a:t>8/14/19</a:t>
             </a:fld>
             <a:endParaRPr lang="en-US"/>
           </a:p>
@@ -665,7 +665,7 @@
           <a:p>
             <a:fld id="{4D72D512-BE45-534A-90D0-FFF6C6110A02}" type="datetimeFigureOut">
               <a:rPr lang="en-US" smtClean="0"/>
-              <a:t>8/13/19</a:t>
+              <a:t>8/14/19</a:t>
             </a:fld>
             <a:endParaRPr lang="en-US"/>
           </a:p>
@@ -863,7 +863,7 @@
           <a:p>
             <a:fld id="{4D72D512-BE45-534A-90D0-FFF6C6110A02}" type="datetimeFigureOut">
               <a:rPr lang="en-US" smtClean="0"/>
-              <a:t>8/13/19</a:t>
+              <a:t>8/14/19</a:t>
             </a:fld>
             <a:endParaRPr lang="en-US"/>
           </a:p>
@@ -1138,7 +1138,7 @@
           <a:p>
             <a:fld id="{4D72D512-BE45-534A-90D0-FFF6C6110A02}" type="datetimeFigureOut">
               <a:rPr lang="en-US" smtClean="0"/>
-              <a:t>8/13/19</a:t>
+              <a:t>8/14/19</a:t>
             </a:fld>
             <a:endParaRPr lang="en-US"/>
           </a:p>
@@ -1403,7 +1403,7 @@
           <a:p>
             <a:fld id="{4D72D512-BE45-534A-90D0-FFF6C6110A02}" type="datetimeFigureOut">
               <a:rPr lang="en-US" smtClean="0"/>
-              <a:t>8/13/19</a:t>
+              <a:t>8/14/19</a:t>
             </a:fld>
             <a:endParaRPr lang="en-US"/>
           </a:p>
@@ -1815,7 +1815,7 @@
           <a:p>
             <a:fld id="{4D72D512-BE45-534A-90D0-FFF6C6110A02}" type="datetimeFigureOut">
               <a:rPr lang="en-US" smtClean="0"/>
-              <a:t>8/13/19</a:t>
+              <a:t>8/14/19</a:t>
             </a:fld>
             <a:endParaRPr lang="en-US"/>
           </a:p>
@@ -1956,7 +1956,7 @@
           <a:p>
             <a:fld id="{4D72D512-BE45-534A-90D0-FFF6C6110A02}" type="datetimeFigureOut">
               <a:rPr lang="en-US" smtClean="0"/>
-              <a:t>8/13/19</a:t>
+              <a:t>8/14/19</a:t>
             </a:fld>
             <a:endParaRPr lang="en-US"/>
           </a:p>
@@ -2069,7 +2069,7 @@
           <a:p>
             <a:fld id="{4D72D512-BE45-534A-90D0-FFF6C6110A02}" type="datetimeFigureOut">
               <a:rPr lang="en-US" smtClean="0"/>
-              <a:t>8/13/19</a:t>
+              <a:t>8/14/19</a:t>
             </a:fld>
             <a:endParaRPr lang="en-US"/>
           </a:p>
@@ -2380,7 +2380,7 @@
           <a:p>
             <a:fld id="{4D72D512-BE45-534A-90D0-FFF6C6110A02}" type="datetimeFigureOut">
               <a:rPr lang="en-US" smtClean="0"/>
-              <a:t>8/13/19</a:t>
+              <a:t>8/14/19</a:t>
             </a:fld>
             <a:endParaRPr lang="en-US"/>
           </a:p>
@@ -2668,7 +2668,7 @@
           <a:p>
             <a:fld id="{4D72D512-BE45-534A-90D0-FFF6C6110A02}" type="datetimeFigureOut">
               <a:rPr lang="en-US" smtClean="0"/>
-              <a:t>8/13/19</a:t>
+              <a:t>8/14/19</a:t>
             </a:fld>
             <a:endParaRPr lang="en-US"/>
           </a:p>
@@ -2909,7 +2909,7 @@
           <a:p>
             <a:fld id="{4D72D512-BE45-534A-90D0-FFF6C6110A02}" type="datetimeFigureOut">
               <a:rPr lang="en-US" smtClean="0"/>
-              <a:t>8/13/19</a:t>
+              <a:t>8/14/19</a:t>
             </a:fld>
             <a:endParaRPr lang="en-US"/>
           </a:p>
@@ -3994,6 +3994,238 @@
           </a:p>
         </p:txBody>
       </p:sp>
+      <p:sp>
+        <p:nvSpPr>
+          <p:cNvPr id="13" name="Rectangle 12">
+            <a:extLst>
+              <a:ext uri="{FF2B5EF4-FFF2-40B4-BE49-F238E27FC236}">
+                <a16:creationId xmlns:a16="http://schemas.microsoft.com/office/drawing/2014/main" id="{FF331328-B2A4-D14C-AB86-901EDC308AF6}"/>
+              </a:ext>
+            </a:extLst>
+          </p:cNvPr>
+          <p:cNvSpPr/>
+          <p:nvPr/>
+        </p:nvSpPr>
+        <p:spPr>
+          <a:xfrm>
+            <a:off x="5935038" y="3100913"/>
+            <a:ext cx="3667874" cy="1633591"/>
+          </a:xfrm>
+          <a:prstGeom prst="rect">
+            <a:avLst/>
+          </a:prstGeom>
+        </p:spPr>
+        <p:style>
+          <a:lnRef idx="1">
+            <a:schemeClr val="accent1"/>
+          </a:lnRef>
+          <a:fillRef idx="3">
+            <a:schemeClr val="accent1"/>
+          </a:fillRef>
+          <a:effectRef idx="2">
+            <a:schemeClr val="accent1"/>
+          </a:effectRef>
+          <a:fontRef idx="minor">
+            <a:schemeClr val="lt1"/>
+          </a:fontRef>
+        </p:style>
+        <p:txBody>
+          <a:bodyPr rot="0" spcFirstLastPara="0" vertOverflow="overflow" horzOverflow="overflow" vert="horz" wrap="square" lIns="91440" tIns="45720" rIns="91440" bIns="45720" numCol="1" spcCol="0" rtlCol="0" fromWordArt="0" anchor="ctr" anchorCtr="0" forceAA="0" compatLnSpc="1">
+            <a:prstTxWarp prst="textNoShape">
+              <a:avLst/>
+            </a:prstTxWarp>
+            <a:noAutofit/>
+          </a:bodyPr>
+          <a:lstStyle/>
+          <a:p>
+            <a:pPr algn="ctr"/>
+            <a:endParaRPr lang="en-US" b="1" dirty="0">
+              <a:ln w="22225">
+                <a:solidFill>
+                  <a:schemeClr val="accent2"/>
+                </a:solidFill>
+                <a:prstDash val="solid"/>
+              </a:ln>
+              <a:solidFill>
+                <a:schemeClr val="accent2">
+                  <a:lumMod val="40000"/>
+                  <a:lumOff val="60000"/>
+                </a:schemeClr>
+              </a:solidFill>
+            </a:endParaRPr>
+          </a:p>
+        </p:txBody>
+      </p:sp>
+      <p:sp>
+        <p:nvSpPr>
+          <p:cNvPr id="14" name="TextBox 13">
+            <a:extLst>
+              <a:ext uri="{FF2B5EF4-FFF2-40B4-BE49-F238E27FC236}">
+                <a16:creationId xmlns:a16="http://schemas.microsoft.com/office/drawing/2014/main" id="{E2FDC982-B4C1-F74E-9B65-ECFA2AEB2AAA}"/>
+              </a:ext>
+            </a:extLst>
+          </p:cNvPr>
+          <p:cNvSpPr txBox="1"/>
+          <p:nvPr/>
+        </p:nvSpPr>
+        <p:spPr>
+          <a:xfrm>
+            <a:off x="5935038" y="3100913"/>
+            <a:ext cx="1322798" cy="400110"/>
+          </a:xfrm>
+          <a:prstGeom prst="rect">
+            <a:avLst/>
+          </a:prstGeom>
+          <a:noFill/>
+        </p:spPr>
+        <p:txBody>
+          <a:bodyPr wrap="none" rtlCol="0">
+            <a:spAutoFit/>
+          </a:bodyPr>
+          <a:lstStyle/>
+          <a:p>
+            <a:r>
+              <a:rPr lang="en-US" sz="2000" b="1" spc="50" dirty="0">
+                <a:ln w="0"/>
+                <a:solidFill>
+                  <a:schemeClr val="bg2"/>
+                </a:solidFill>
+                <a:effectLst>
+                  <a:innerShdw blurRad="63500" dist="50800" dir="13500000">
+                    <a:srgbClr val="000000">
+                      <a:alpha val="50000"/>
+                    </a:srgbClr>
+                  </a:innerShdw>
+                </a:effectLst>
+              </a:rPr>
+              <a:t>C# </a:t>
+            </a:r>
+            <a:r>
+              <a:rPr lang="en-US" sz="2000" b="1" spc="50" dirty="0" err="1">
+                <a:ln w="0"/>
+                <a:solidFill>
+                  <a:schemeClr val="bg2"/>
+                </a:solidFill>
+                <a:effectLst>
+                  <a:innerShdw blurRad="63500" dist="50800" dir="13500000">
+                    <a:srgbClr val="000000">
+                      <a:alpha val="50000"/>
+                    </a:srgbClr>
+                  </a:innerShdw>
+                </a:effectLst>
+              </a:rPr>
+              <a:t>Cơ</a:t>
+            </a:r>
+            <a:r>
+              <a:rPr lang="en-US" sz="2000" b="1" spc="50" dirty="0">
+                <a:ln w="0"/>
+                <a:solidFill>
+                  <a:schemeClr val="bg2"/>
+                </a:solidFill>
+                <a:effectLst>
+                  <a:innerShdw blurRad="63500" dist="50800" dir="13500000">
+                    <a:srgbClr val="000000">
+                      <a:alpha val="50000"/>
+                    </a:srgbClr>
+                  </a:innerShdw>
+                </a:effectLst>
+              </a:rPr>
+              <a:t> </a:t>
+            </a:r>
+            <a:r>
+              <a:rPr lang="en-US" sz="2000" b="1" spc="50" dirty="0" err="1">
+                <a:ln w="0"/>
+                <a:solidFill>
+                  <a:schemeClr val="bg2"/>
+                </a:solidFill>
+                <a:effectLst>
+                  <a:innerShdw blurRad="63500" dist="50800" dir="13500000">
+                    <a:srgbClr val="000000">
+                      <a:alpha val="50000"/>
+                    </a:srgbClr>
+                  </a:innerShdw>
+                </a:effectLst>
+              </a:rPr>
+              <a:t>bản</a:t>
+            </a:r>
+            <a:endParaRPr lang="en-US" sz="2000" b="1" spc="50" dirty="0">
+              <a:ln w="0"/>
+              <a:solidFill>
+                <a:schemeClr val="bg2"/>
+              </a:solidFill>
+              <a:effectLst>
+                <a:innerShdw blurRad="63500" dist="50800" dir="13500000">
+                  <a:srgbClr val="000000">
+                    <a:alpha val="50000"/>
+                  </a:srgbClr>
+                </a:innerShdw>
+              </a:effectLst>
+            </a:endParaRPr>
+          </a:p>
+        </p:txBody>
+      </p:sp>
+      <p:sp>
+        <p:nvSpPr>
+          <p:cNvPr id="15" name="TextBox 14">
+            <a:extLst>
+              <a:ext uri="{FF2B5EF4-FFF2-40B4-BE49-F238E27FC236}">
+                <a16:creationId xmlns:a16="http://schemas.microsoft.com/office/drawing/2014/main" id="{96BC9233-82E9-D34D-813E-096FA396B733}"/>
+              </a:ext>
+            </a:extLst>
+          </p:cNvPr>
+          <p:cNvSpPr txBox="1"/>
+          <p:nvPr/>
+        </p:nvSpPr>
+        <p:spPr>
+          <a:xfrm>
+            <a:off x="6433513" y="3320306"/>
+            <a:ext cx="2670924" cy="1323439"/>
+          </a:xfrm>
+          <a:prstGeom prst="rect">
+            <a:avLst/>
+          </a:prstGeom>
+          <a:noFill/>
+        </p:spPr>
+        <p:txBody>
+          <a:bodyPr wrap="none" rtlCol="0">
+            <a:spAutoFit/>
+            <a:scene3d>
+              <a:camera prst="orthographicFront"/>
+              <a:lightRig rig="soft" dir="t">
+                <a:rot lat="0" lon="0" rev="15600000"/>
+              </a:lightRig>
+            </a:scene3d>
+            <a:sp3d extrusionH="57150" prstMaterial="softEdge">
+              <a:bevelT w="25400" h="38100"/>
+            </a:sp3d>
+          </a:bodyPr>
+          <a:lstStyle/>
+          <a:p>
+            <a:pPr algn="ctr"/>
+            <a:r>
+              <a:rPr lang="en-US" sz="4000" b="1" dirty="0">
+                <a:ln/>
+                <a:solidFill>
+                  <a:schemeClr val="accent4"/>
+                </a:solidFill>
+              </a:rPr>
+              <a:t>&lt;, &gt;, ==, &amp;&amp;</a:t>
+            </a:r>
+          </a:p>
+          <a:p>
+            <a:pPr algn="ctr"/>
+            <a:r>
+              <a:rPr lang="en-US" sz="4000" b="1" dirty="0">
+                <a:ln/>
+                <a:solidFill>
+                  <a:schemeClr val="accent4"/>
+                </a:solidFill>
+              </a:rPr>
+              <a:t>if, switch </a:t>
+            </a:r>
+          </a:p>
+        </p:txBody>
+      </p:sp>
     </p:spTree>
     <p:extLst>
       <p:ext uri="{BB962C8B-B14F-4D97-AF65-F5344CB8AC3E}">

--- a/csnc.pptx
+++ b/csnc.pptx
@@ -6,6 +6,7 @@
   </p:sldMasterIdLst>
   <p:sldIdLst>
     <p:sldId id="256" r:id="rId2"/>
+    <p:sldId id="257" r:id="rId3"/>
   </p:sldIdLst>
   <p:sldSz cx="12192000" cy="6858000"/>
   <p:notesSz cx="6858000" cy="9144000"/>
@@ -259,7 +260,7 @@
           <a:p>
             <a:fld id="{4D72D512-BE45-534A-90D0-FFF6C6110A02}" type="datetimeFigureOut">
               <a:rPr lang="en-US" smtClean="0"/>
-              <a:t>8/14/19</a:t>
+              <a:t>8/17/19</a:t>
             </a:fld>
             <a:endParaRPr lang="en-US"/>
           </a:p>
@@ -457,7 +458,7 @@
           <a:p>
             <a:fld id="{4D72D512-BE45-534A-90D0-FFF6C6110A02}" type="datetimeFigureOut">
               <a:rPr lang="en-US" smtClean="0"/>
-              <a:t>8/14/19</a:t>
+              <a:t>8/17/19</a:t>
             </a:fld>
             <a:endParaRPr lang="en-US"/>
           </a:p>
@@ -665,7 +666,7 @@
           <a:p>
             <a:fld id="{4D72D512-BE45-534A-90D0-FFF6C6110A02}" type="datetimeFigureOut">
               <a:rPr lang="en-US" smtClean="0"/>
-              <a:t>8/14/19</a:t>
+              <a:t>8/17/19</a:t>
             </a:fld>
             <a:endParaRPr lang="en-US"/>
           </a:p>
@@ -863,7 +864,7 @@
           <a:p>
             <a:fld id="{4D72D512-BE45-534A-90D0-FFF6C6110A02}" type="datetimeFigureOut">
               <a:rPr lang="en-US" smtClean="0"/>
-              <a:t>8/14/19</a:t>
+              <a:t>8/17/19</a:t>
             </a:fld>
             <a:endParaRPr lang="en-US"/>
           </a:p>
@@ -1138,7 +1139,7 @@
           <a:p>
             <a:fld id="{4D72D512-BE45-534A-90D0-FFF6C6110A02}" type="datetimeFigureOut">
               <a:rPr lang="en-US" smtClean="0"/>
-              <a:t>8/14/19</a:t>
+              <a:t>8/17/19</a:t>
             </a:fld>
             <a:endParaRPr lang="en-US"/>
           </a:p>
@@ -1403,7 +1404,7 @@
           <a:p>
             <a:fld id="{4D72D512-BE45-534A-90D0-FFF6C6110A02}" type="datetimeFigureOut">
               <a:rPr lang="en-US" smtClean="0"/>
-              <a:t>8/14/19</a:t>
+              <a:t>8/17/19</a:t>
             </a:fld>
             <a:endParaRPr lang="en-US"/>
           </a:p>
@@ -1815,7 +1816,7 @@
           <a:p>
             <a:fld id="{4D72D512-BE45-534A-90D0-FFF6C6110A02}" type="datetimeFigureOut">
               <a:rPr lang="en-US" smtClean="0"/>
-              <a:t>8/14/19</a:t>
+              <a:t>8/17/19</a:t>
             </a:fld>
             <a:endParaRPr lang="en-US"/>
           </a:p>
@@ -1956,7 +1957,7 @@
           <a:p>
             <a:fld id="{4D72D512-BE45-534A-90D0-FFF6C6110A02}" type="datetimeFigureOut">
               <a:rPr lang="en-US" smtClean="0"/>
-              <a:t>8/14/19</a:t>
+              <a:t>8/17/19</a:t>
             </a:fld>
             <a:endParaRPr lang="en-US"/>
           </a:p>
@@ -2069,7 +2070,7 @@
           <a:p>
             <a:fld id="{4D72D512-BE45-534A-90D0-FFF6C6110A02}" type="datetimeFigureOut">
               <a:rPr lang="en-US" smtClean="0"/>
-              <a:t>8/14/19</a:t>
+              <a:t>8/17/19</a:t>
             </a:fld>
             <a:endParaRPr lang="en-US"/>
           </a:p>
@@ -2380,7 +2381,7 @@
           <a:p>
             <a:fld id="{4D72D512-BE45-534A-90D0-FFF6C6110A02}" type="datetimeFigureOut">
               <a:rPr lang="en-US" smtClean="0"/>
-              <a:t>8/14/19</a:t>
+              <a:t>8/17/19</a:t>
             </a:fld>
             <a:endParaRPr lang="en-US"/>
           </a:p>
@@ -2668,7 +2669,7 @@
           <a:p>
             <a:fld id="{4D72D512-BE45-534A-90D0-FFF6C6110A02}" type="datetimeFigureOut">
               <a:rPr lang="en-US" smtClean="0"/>
-              <a:t>8/14/19</a:t>
+              <a:t>8/17/19</a:t>
             </a:fld>
             <a:endParaRPr lang="en-US"/>
           </a:p>
@@ -2909,7 +2910,7 @@
           <a:p>
             <a:fld id="{4D72D512-BE45-534A-90D0-FFF6C6110A02}" type="datetimeFigureOut">
               <a:rPr lang="en-US" smtClean="0"/>
-              <a:t>8/14/19</a:t>
+              <a:t>8/17/19</a:t>
             </a:fld>
             <a:endParaRPr lang="en-US"/>
           </a:p>
@@ -4239,6 +4240,311 @@
 </p:sld>
 </file>
 
+<file path=ppt/slides/slide2.xml><?xml version="1.0" encoding="utf-8"?>
+<p:sld xmlns:a="http://schemas.openxmlformats.org/drawingml/2006/main" xmlns:r="http://schemas.openxmlformats.org/officeDocument/2006/relationships" xmlns:p="http://schemas.openxmlformats.org/presentationml/2006/main">
+  <p:cSld>
+    <p:spTree>
+      <p:nvGrpSpPr>
+        <p:cNvPr id="1" name=""/>
+        <p:cNvGrpSpPr/>
+        <p:nvPr/>
+      </p:nvGrpSpPr>
+      <p:grpSpPr>
+        <a:xfrm>
+          <a:off x="0" y="0"/>
+          <a:ext cx="0" cy="0"/>
+          <a:chOff x="0" y="0"/>
+          <a:chExt cx="0" cy="0"/>
+        </a:xfrm>
+      </p:grpSpPr>
+      <p:sp>
+        <p:nvSpPr>
+          <p:cNvPr id="4" name="Rectangle 3">
+            <a:extLst>
+              <a:ext uri="{FF2B5EF4-FFF2-40B4-BE49-F238E27FC236}">
+                <a16:creationId xmlns:a16="http://schemas.microsoft.com/office/drawing/2014/main" id="{1815939D-4D4F-1F4E-A131-60F828AC1405}"/>
+              </a:ext>
+            </a:extLst>
+          </p:cNvPr>
+          <p:cNvSpPr/>
+          <p:nvPr/>
+        </p:nvSpPr>
+        <p:spPr>
+          <a:xfrm>
+            <a:off x="1387011" y="986319"/>
+            <a:ext cx="3667874" cy="1633591"/>
+          </a:xfrm>
+          <a:prstGeom prst="rect">
+            <a:avLst/>
+          </a:prstGeom>
+        </p:spPr>
+        <p:style>
+          <a:lnRef idx="1">
+            <a:schemeClr val="accent1"/>
+          </a:lnRef>
+          <a:fillRef idx="3">
+            <a:schemeClr val="accent1"/>
+          </a:fillRef>
+          <a:effectRef idx="2">
+            <a:schemeClr val="accent1"/>
+          </a:effectRef>
+          <a:fontRef idx="minor">
+            <a:schemeClr val="lt1"/>
+          </a:fontRef>
+        </p:style>
+        <p:txBody>
+          <a:bodyPr rot="0" spcFirstLastPara="0" vertOverflow="overflow" horzOverflow="overflow" vert="horz" wrap="square" lIns="91440" tIns="45720" rIns="91440" bIns="45720" numCol="1" spcCol="0" rtlCol="0" fromWordArt="0" anchor="ctr" anchorCtr="0" forceAA="0" compatLnSpc="1">
+            <a:prstTxWarp prst="textNoShape">
+              <a:avLst/>
+            </a:prstTxWarp>
+            <a:noAutofit/>
+          </a:bodyPr>
+          <a:lstStyle/>
+          <a:p>
+            <a:pPr algn="ctr"/>
+            <a:endParaRPr lang="en-US" b="1" dirty="0">
+              <a:ln w="22225">
+                <a:solidFill>
+                  <a:schemeClr val="accent2"/>
+                </a:solidFill>
+                <a:prstDash val="solid"/>
+              </a:ln>
+              <a:solidFill>
+                <a:schemeClr val="accent2">
+                  <a:lumMod val="40000"/>
+                  <a:lumOff val="60000"/>
+                </a:schemeClr>
+              </a:solidFill>
+            </a:endParaRPr>
+          </a:p>
+        </p:txBody>
+      </p:sp>
+      <p:sp>
+        <p:nvSpPr>
+          <p:cNvPr id="5" name="TextBox 4">
+            <a:extLst>
+              <a:ext uri="{FF2B5EF4-FFF2-40B4-BE49-F238E27FC236}">
+                <a16:creationId xmlns:a16="http://schemas.microsoft.com/office/drawing/2014/main" id="{EAA8E347-453A-3741-8EE0-4C980F83E79E}"/>
+              </a:ext>
+            </a:extLst>
+          </p:cNvPr>
+          <p:cNvSpPr txBox="1"/>
+          <p:nvPr/>
+        </p:nvSpPr>
+        <p:spPr>
+          <a:xfrm>
+            <a:off x="1387011" y="986319"/>
+            <a:ext cx="1322798" cy="400110"/>
+          </a:xfrm>
+          <a:prstGeom prst="rect">
+            <a:avLst/>
+          </a:prstGeom>
+          <a:noFill/>
+        </p:spPr>
+        <p:txBody>
+          <a:bodyPr wrap="none" rtlCol="0">
+            <a:spAutoFit/>
+          </a:bodyPr>
+          <a:lstStyle/>
+          <a:p>
+            <a:r>
+              <a:rPr lang="en-US" sz="2000" b="1" spc="50" dirty="0">
+                <a:ln w="0"/>
+                <a:solidFill>
+                  <a:schemeClr val="bg2"/>
+                </a:solidFill>
+                <a:effectLst>
+                  <a:innerShdw blurRad="63500" dist="50800" dir="13500000">
+                    <a:srgbClr val="000000">
+                      <a:alpha val="50000"/>
+                    </a:srgbClr>
+                  </a:innerShdw>
+                </a:effectLst>
+              </a:rPr>
+              <a:t>C# </a:t>
+            </a:r>
+            <a:r>
+              <a:rPr lang="en-US" sz="2000" b="1" spc="50" dirty="0" err="1">
+                <a:ln w="0"/>
+                <a:solidFill>
+                  <a:schemeClr val="bg2"/>
+                </a:solidFill>
+                <a:effectLst>
+                  <a:innerShdw blurRad="63500" dist="50800" dir="13500000">
+                    <a:srgbClr val="000000">
+                      <a:alpha val="50000"/>
+                    </a:srgbClr>
+                  </a:innerShdw>
+                </a:effectLst>
+              </a:rPr>
+              <a:t>Cơ</a:t>
+            </a:r>
+            <a:r>
+              <a:rPr lang="en-US" sz="2000" b="1" spc="50" dirty="0">
+                <a:ln w="0"/>
+                <a:solidFill>
+                  <a:schemeClr val="bg2"/>
+                </a:solidFill>
+                <a:effectLst>
+                  <a:innerShdw blurRad="63500" dist="50800" dir="13500000">
+                    <a:srgbClr val="000000">
+                      <a:alpha val="50000"/>
+                    </a:srgbClr>
+                  </a:innerShdw>
+                </a:effectLst>
+              </a:rPr>
+              <a:t> </a:t>
+            </a:r>
+            <a:r>
+              <a:rPr lang="en-US" sz="2000" b="1" spc="50" dirty="0" err="1">
+                <a:ln w="0"/>
+                <a:solidFill>
+                  <a:schemeClr val="bg2"/>
+                </a:solidFill>
+                <a:effectLst>
+                  <a:innerShdw blurRad="63500" dist="50800" dir="13500000">
+                    <a:srgbClr val="000000">
+                      <a:alpha val="50000"/>
+                    </a:srgbClr>
+                  </a:innerShdw>
+                </a:effectLst>
+              </a:rPr>
+              <a:t>bản</a:t>
+            </a:r>
+            <a:endParaRPr lang="en-US" sz="2000" b="1" spc="50" dirty="0">
+              <a:ln w="0"/>
+              <a:solidFill>
+                <a:schemeClr val="bg2"/>
+              </a:solidFill>
+              <a:effectLst>
+                <a:innerShdw blurRad="63500" dist="50800" dir="13500000">
+                  <a:srgbClr val="000000">
+                    <a:alpha val="50000"/>
+                  </a:srgbClr>
+                </a:innerShdw>
+              </a:effectLst>
+            </a:endParaRPr>
+          </a:p>
+        </p:txBody>
+      </p:sp>
+      <p:sp>
+        <p:nvSpPr>
+          <p:cNvPr id="6" name="TextBox 5">
+            <a:extLst>
+              <a:ext uri="{FF2B5EF4-FFF2-40B4-BE49-F238E27FC236}">
+                <a16:creationId xmlns:a16="http://schemas.microsoft.com/office/drawing/2014/main" id="{758BE1FF-44F1-D34E-8F6D-63E4127944C3}"/>
+              </a:ext>
+            </a:extLst>
+          </p:cNvPr>
+          <p:cNvSpPr txBox="1"/>
+          <p:nvPr/>
+        </p:nvSpPr>
+        <p:spPr>
+          <a:xfrm>
+            <a:off x="1827978" y="1386429"/>
+            <a:ext cx="2547492" cy="1077218"/>
+          </a:xfrm>
+          <a:prstGeom prst="rect">
+            <a:avLst/>
+          </a:prstGeom>
+          <a:noFill/>
+        </p:spPr>
+        <p:txBody>
+          <a:bodyPr wrap="none" rtlCol="0">
+            <a:spAutoFit/>
+            <a:scene3d>
+              <a:camera prst="orthographicFront"/>
+              <a:lightRig rig="soft" dir="t">
+                <a:rot lat="0" lon="0" rev="15600000"/>
+              </a:lightRig>
+            </a:scene3d>
+            <a:sp3d extrusionH="57150" prstMaterial="softEdge">
+              <a:bevelT w="25400" h="38100"/>
+            </a:sp3d>
+          </a:bodyPr>
+          <a:lstStyle/>
+          <a:p>
+            <a:r>
+              <a:rPr lang="en-US" sz="3200" b="1" dirty="0" err="1">
+                <a:ln/>
+                <a:solidFill>
+                  <a:schemeClr val="accent4"/>
+                </a:solidFill>
+              </a:rPr>
+              <a:t>Phương</a:t>
+            </a:r>
+            <a:r>
+              <a:rPr lang="en-US" sz="3200" b="1" dirty="0">
+                <a:ln/>
+                <a:solidFill>
+                  <a:schemeClr val="accent4"/>
+                </a:solidFill>
+              </a:rPr>
+              <a:t> </a:t>
+            </a:r>
+            <a:r>
+              <a:rPr lang="en-US" sz="3200" b="1" dirty="0" err="1">
+                <a:ln/>
+                <a:solidFill>
+                  <a:schemeClr val="accent4"/>
+                </a:solidFill>
+              </a:rPr>
+              <a:t>thức</a:t>
+            </a:r>
+            <a:r>
+              <a:rPr lang="en-US" sz="3200" b="1" dirty="0">
+                <a:ln/>
+                <a:solidFill>
+                  <a:schemeClr val="accent4"/>
+                </a:solidFill>
+              </a:rPr>
+              <a:t> </a:t>
+            </a:r>
+          </a:p>
+          <a:p>
+            <a:r>
+              <a:rPr lang="en-US" sz="3200" b="1" dirty="0">
+                <a:ln/>
+                <a:solidFill>
+                  <a:schemeClr val="accent4"/>
+                </a:solidFill>
+              </a:rPr>
+              <a:t>(</a:t>
+            </a:r>
+            <a:r>
+              <a:rPr lang="en-US" sz="3200" b="1" dirty="0" err="1">
+                <a:ln/>
+                <a:solidFill>
+                  <a:schemeClr val="accent4"/>
+                </a:solidFill>
+              </a:rPr>
+              <a:t>hàm</a:t>
+            </a:r>
+            <a:r>
+              <a:rPr lang="en-US" sz="3200" b="1" dirty="0">
+                <a:ln/>
+                <a:solidFill>
+                  <a:schemeClr val="accent4"/>
+                </a:solidFill>
+              </a:rPr>
+              <a:t>)</a:t>
+            </a:r>
+          </a:p>
+        </p:txBody>
+      </p:sp>
+    </p:spTree>
+    <p:extLst>
+      <p:ext uri="{BB962C8B-B14F-4D97-AF65-F5344CB8AC3E}">
+        <p14:creationId xmlns:p14="http://schemas.microsoft.com/office/powerpoint/2010/main" val="2896824077"/>
+      </p:ext>
+    </p:extLst>
+  </p:cSld>
+  <p:clrMapOvr>
+    <a:masterClrMapping/>
+  </p:clrMapOvr>
+</p:sld>
+</file>
+
 <file path=ppt/theme/theme1.xml><?xml version="1.0" encoding="utf-8"?>
 <a:theme xmlns:a="http://schemas.openxmlformats.org/drawingml/2006/main" name="Office Theme">
   <a:themeElements>
